--- a/ISI/training/Pegasus-ACI-Refs.pptx
+++ b/ISI/training/Pegasus-ACI-Refs.pptx
@@ -12764,7 +12764,6 @@
               <a:rPr lang="en-US" dirty="0" smtClean="0"/>
               <a:t>How do you identify if a particular application can use Workflows and Pegasus</a:t>
             </a:r>
-            <a:endParaRPr lang="en-US" dirty="0" smtClean="0"/>
           </a:p>
           <a:p>
             <a:r>
@@ -12775,11 +12774,6 @@
               </a:rPr>
               <a:t>Recap of Key Concepts</a:t>
             </a:r>
-            <a:endParaRPr lang="en-US" dirty="0" smtClean="0">
-              <a:solidFill>
-                <a:srgbClr val="36628F"/>
-              </a:solidFill>
-            </a:endParaRPr>
           </a:p>
           <a:p>
             <a:r>
@@ -12815,16 +12809,10 @@
           </a:p>
           <a:p>
             <a:r>
-              <a:rPr lang="en-US" dirty="0" smtClean="0"/>
-              <a:t>Installing Pegasus on your campus.</a:t>
-            </a:r>
-            <a:endParaRPr lang="en-US" dirty="0" smtClean="0"/>
-          </a:p>
-          <a:p>
-            <a:r>
-              <a:rPr lang="en-US" dirty="0" smtClean="0"/>
-              <a:t>3:00 Adjourn</a:t>
-            </a:r>
+              <a:rPr lang="en-US" dirty="0"/>
+              <a:t>Tutorials</a:t>
+            </a:r>
+            <a:endParaRPr lang="en-US" dirty="0"/>
           </a:p>
         </p:txBody>
       </p:sp>
@@ -13378,15 +13366,7 @@
                 <a:ea typeface="ＭＳ Ｐゴシック" charset="0"/>
                 <a:cs typeface="ＭＳ Ｐゴシック" charset="0"/>
               </a:rPr>
-              <a:t>T</a:t>
-            </a:r>
-            <a:r>
-              <a:rPr lang="en-US" sz="2800" dirty="0" smtClean="0">
-                <a:latin typeface="Arial" charset="0"/>
-                <a:ea typeface="ＭＳ Ｐゴシック" charset="0"/>
-                <a:cs typeface="ＭＳ Ｐゴシック" charset="0"/>
-              </a:rPr>
-              <a:t>arget </a:t>
+              <a:t>Target </a:t>
             </a:r>
             <a:r>
               <a:rPr lang="en-US" sz="2800" dirty="0">
@@ -14063,38 +14043,33 @@
               </a:rPr>
               <a:t>How do you identify if a particular application can use Workflows and Pegasus</a:t>
             </a:r>
-            <a:endParaRPr lang="en-US" dirty="0" smtClean="0">
-              <a:solidFill>
-                <a:schemeClr val="accent6">
-                  <a:lumMod val="50000"/>
-                </a:schemeClr>
-              </a:solidFill>
-            </a:endParaRPr>
           </a:p>
           <a:p>
             <a:r>
               <a:rPr lang="en-US" dirty="0" smtClean="0"/>
               <a:t>Recap of Key Concepts</a:t>
             </a:r>
-            <a:endParaRPr lang="en-US" dirty="0" smtClean="0"/>
           </a:p>
           <a:p>
             <a:r>
               <a:rPr lang="en-US" dirty="0" smtClean="0"/>
-              <a:t>Porting Applications to Pegasus</a:t>
-            </a:r>
-            <a:endParaRPr lang="en-US" dirty="0" smtClean="0"/>
+              <a:t>Setting up Pegasus on Campus</a:t>
+            </a:r>
           </a:p>
           <a:p>
             <a:r>
               <a:rPr lang="en-US" dirty="0" smtClean="0"/>
-              <a:t>2:00 – 3:00 Getting Pegasus to your campus.</a:t>
-            </a:r>
-          </a:p>
-          <a:p>
+              <a:t>Porting </a:t>
+            </a:r>
             <a:r>
               <a:rPr lang="en-US" dirty="0" smtClean="0"/>
-              <a:t>3:00 Adjourn</a:t>
+              <a:t>Applications to Pegasus</a:t>
+            </a:r>
+          </a:p>
+          <a:p>
+            <a:r>
+              <a:rPr lang="en-US" dirty="0"/>
+              <a:t>Tutorials</a:t>
             </a:r>
           </a:p>
         </p:txBody>
@@ -14153,11 +14128,7 @@
           <a:p>
             <a:r>
               <a:rPr lang="en-US" dirty="0" smtClean="0"/>
-              <a:t>Pegasus Setup - HTCondor </a:t>
-            </a:r>
-            <a:r>
-              <a:rPr lang="en-US" dirty="0" smtClean="0"/>
-              <a:t>Pool</a:t>
+              <a:t>Pegasus Setup - HTCondor Pool</a:t>
             </a:r>
             <a:endParaRPr lang="en-US" dirty="0"/>
           </a:p>
@@ -14443,11 +14414,7 @@
           <a:p>
             <a:r>
               <a:rPr lang="en-US" dirty="0" smtClean="0"/>
-              <a:t>Pegasus Setup - Local PBS/SGE </a:t>
-            </a:r>
-            <a:r>
-              <a:rPr lang="en-US" dirty="0" smtClean="0"/>
-              <a:t>Cluster</a:t>
+              <a:t>Pegasus Setup - Local PBS/SGE Cluster</a:t>
             </a:r>
             <a:endParaRPr lang="en-US" dirty="0"/>
           </a:p>
@@ -15385,11 +15352,7 @@
           <a:p>
             <a:r>
               <a:rPr lang="en-US" dirty="0" smtClean="0"/>
-              <a:t>Pegasus Setup - Remote </a:t>
-            </a:r>
-            <a:r>
-              <a:rPr lang="en-US" dirty="0" smtClean="0"/>
-              <a:t>Cluster / Grid Site</a:t>
+              <a:t>Pegasus Setup - Remote Cluster / Grid Site</a:t>
             </a:r>
             <a:endParaRPr lang="en-US" dirty="0"/>
           </a:p>
@@ -15448,7 +15411,6 @@
               <a:rPr lang="en-US" dirty="0" smtClean="0"/>
               <a:t>Profiles</a:t>
             </a:r>
-            <a:endParaRPr lang="en-US" dirty="0" smtClean="0"/>
           </a:p>
           <a:p>
             <a:pPr lvl="1"/>
@@ -16345,7 +16307,6 @@
               <a:rPr lang="en-US" dirty="0" smtClean="0"/>
               <a:t>How do you identify if a particular application can use Workflows and Pegasus</a:t>
             </a:r>
-            <a:endParaRPr lang="en-US" dirty="0" smtClean="0"/>
           </a:p>
           <a:p>
             <a:r>
@@ -16356,11 +16317,6 @@
               </a:rPr>
               <a:t>Recap of Key Concepts</a:t>
             </a:r>
-            <a:endParaRPr lang="en-US" dirty="0" smtClean="0">
-              <a:solidFill>
-                <a:srgbClr val="36628F"/>
-              </a:solidFill>
-            </a:endParaRPr>
           </a:p>
           <a:p>
             <a:r>
@@ -16395,7 +16351,6 @@
               <a:rPr lang="en-US" dirty="0" smtClean="0"/>
               <a:t>Tutorials</a:t>
             </a:r>
-            <a:endParaRPr lang="en-US" dirty="0" smtClean="0"/>
           </a:p>
         </p:txBody>
       </p:sp>
@@ -17040,15 +16995,7 @@
                 <a:ea typeface="ＭＳ Ｐゴシック" charset="0"/>
                 <a:cs typeface="ＭＳ Ｐゴシック" charset="0"/>
               </a:rPr>
-              <a:t>Things to keep in mind while porting applicatio</a:t>
-            </a:r>
-            <a:r>
-              <a:rPr lang="en-US" dirty="0" smtClean="0">
-                <a:latin typeface="Arial" charset="0"/>
-                <a:ea typeface="ＭＳ Ｐゴシック" charset="0"/>
-                <a:cs typeface="ＭＳ Ｐゴシック" charset="0"/>
-              </a:rPr>
-              <a:t>n codes</a:t>
+              <a:t>Things to keep in mind while porting application codes</a:t>
             </a:r>
             <a:endParaRPr lang="en-US" dirty="0">
               <a:latin typeface="Arial" charset="0"/>
@@ -17726,8 +17673,83 @@
           <a:p>
             <a:r>
               <a:rPr lang="en-US" dirty="0" smtClean="0"/>
-              <a:t>General Overview of Pegasus</a:t>
-            </a:r>
+              <a:t>General Overview of </a:t>
+            </a:r>
+            <a:r>
+              <a:rPr lang="en-US" dirty="0" smtClean="0"/>
+              <a:t>Pegasus </a:t>
+            </a:r>
+          </a:p>
+          <a:p>
+            <a:pPr lvl="1"/>
+            <a:r>
+              <a:rPr lang="en-US" dirty="0">
+                <a:hlinkClick r:id="rId2"/>
+              </a:rPr>
+              <a:t>https://github.com/pegasus-isi/tutorials/blob/master/ISI/training/Pegasus-</a:t>
+            </a:r>
+            <a:r>
+              <a:rPr lang="en-US" dirty="0" smtClean="0">
+                <a:hlinkClick r:id="rId2"/>
+              </a:rPr>
+              <a:t>Introduction.pptx</a:t>
+            </a:r>
+            <a:r>
+              <a:rPr lang="en-US" smtClean="0"/>
+              <a:t> </a:t>
+            </a:r>
+            <a:endParaRPr lang="en-US" dirty="0" smtClean="0"/>
+          </a:p>
+          <a:p>
+            <a:r>
+              <a:rPr lang="en-US" dirty="0" smtClean="0"/>
+              <a:t>Advanced Features of Pegasus</a:t>
+            </a:r>
+          </a:p>
+          <a:p>
+            <a:pPr lvl="1"/>
+            <a:r>
+              <a:rPr lang="en-US" dirty="0">
+                <a:hlinkClick r:id="rId3"/>
+              </a:rPr>
+              <a:t>https://github.com/pegasus-isi/tutorials/blob/master/ISI/training/Pegasus-</a:t>
+            </a:r>
+            <a:r>
+              <a:rPr lang="en-US" dirty="0" smtClean="0">
+                <a:hlinkClick r:id="rId3"/>
+              </a:rPr>
+              <a:t>Advanced.pptx</a:t>
+            </a:r>
+            <a:r>
+              <a:rPr lang="en-US" dirty="0" smtClean="0"/>
+              <a:t> </a:t>
+            </a:r>
+          </a:p>
+          <a:p>
+            <a:r>
+              <a:rPr lang="en-US" dirty="0" smtClean="0"/>
+              <a:t>This presentation itself</a:t>
+            </a:r>
+          </a:p>
+          <a:p>
+            <a:pPr lvl="1"/>
+            <a:r>
+              <a:rPr lang="en-US" dirty="0">
+                <a:hlinkClick r:id="rId4"/>
+              </a:rPr>
+              <a:t>https://github.com/pegasus-isi/tutorials/blob/master/ISI/training/Pegasus-ACI-</a:t>
+            </a:r>
+            <a:r>
+              <a:rPr lang="en-US" dirty="0" smtClean="0">
+                <a:hlinkClick r:id="rId4"/>
+              </a:rPr>
+              <a:t>Refs.pptx</a:t>
+            </a:r>
+            <a:r>
+              <a:rPr lang="en-US" dirty="0" smtClean="0"/>
+              <a:t> </a:t>
+            </a:r>
+            <a:endParaRPr lang="en-US" dirty="0" smtClean="0"/>
           </a:p>
           <a:p>
             <a:pPr lvl="1"/>
@@ -18099,21 +18121,8 @@
                 <a:ea typeface="ＭＳ Ｐゴシック" charset="0"/>
                 <a:cs typeface="ＭＳ Ｐゴシック" charset="0"/>
               </a:rPr>
-              <a:t>Use existing codes, no </a:t>
-            </a:r>
-            <a:r>
-              <a:rPr lang="en-US" sz="2000" dirty="0" smtClean="0">
-                <a:latin typeface="Arial" charset="0"/>
-                <a:ea typeface="ＭＳ Ｐゴシック" charset="0"/>
-                <a:cs typeface="ＭＳ Ｐゴシック" charset="0"/>
-              </a:rPr>
-              <a:t>or minimal rewrites</a:t>
-            </a:r>
-            <a:endParaRPr lang="en-US" sz="2000" dirty="0" smtClean="0">
-              <a:latin typeface="Arial" charset="0"/>
-              <a:ea typeface="ＭＳ Ｐゴシック" charset="0"/>
-              <a:cs typeface="ＭＳ Ｐゴシック" charset="0"/>
-            </a:endParaRPr>
+              <a:t>Use existing codes, no or minimal rewrites</a:t>
+            </a:r>
           </a:p>
           <a:p>
             <a:pPr eaLnBrk="1" hangingPunct="1"/>
@@ -18728,7 +18737,7 @@
           <a:graphicData uri="http://schemas.openxmlformats.org/presentationml/2006/ole">
             <mc:AlternateContent xmlns:mc="http://schemas.openxmlformats.org/markup-compatibility/2006">
               <mc:Choice xmlns:v="urn:schemas-microsoft-com:vml" Requires="v">
-                <p:oleObj spid="_x0000_s1103" r:id="rId4" imgW="4851400" imgH="4699000" progId="">
+                <p:oleObj spid="_x0000_s1111" r:id="rId4" imgW="4851400" imgH="4699000" progId="">
                   <p:embed/>
                 </p:oleObj>
               </mc:Choice>
@@ -18941,7 +18950,6 @@
               <a:rPr lang="en-US" dirty="0" smtClean="0"/>
               <a:t>How do you identify if a particular application can use Workflows and Pegasus</a:t>
             </a:r>
-            <a:endParaRPr lang="en-US" dirty="0" smtClean="0"/>
           </a:p>
           <a:p>
             <a:r>
@@ -18952,11 +18960,12 @@
               </a:rPr>
               <a:t>Recap of Key Concepts</a:t>
             </a:r>
-            <a:endParaRPr lang="en-US" dirty="0" smtClean="0">
-              <a:solidFill>
-                <a:srgbClr val="606060"/>
-              </a:solidFill>
-            </a:endParaRPr>
+          </a:p>
+          <a:p>
+            <a:r>
+              <a:rPr lang="en-US" dirty="0"/>
+              <a:t>Setting up Pegasus on Campus</a:t>
+            </a:r>
           </a:p>
           <a:p>
             <a:r>
@@ -18966,19 +18975,10 @@
           </a:p>
           <a:p>
             <a:r>
-              <a:rPr lang="en-US" dirty="0" smtClean="0"/>
-              <a:t>2</a:t>
-            </a:r>
-            <a:r>
-              <a:rPr lang="en-US" dirty="0" smtClean="0"/>
-              <a:t>:00 – 3:00 Getting Pegasus to your campus.</a:t>
-            </a:r>
-          </a:p>
-          <a:p>
-            <a:r>
-              <a:rPr lang="en-US" dirty="0" smtClean="0"/>
-              <a:t>3:00 Adjourn</a:t>
-            </a:r>
+              <a:rPr lang="en-US" dirty="0"/>
+              <a:t>Tutorials</a:t>
+            </a:r>
+            <a:endParaRPr lang="en-US" dirty="0"/>
           </a:p>
         </p:txBody>
       </p:sp>
@@ -19486,7 +19486,7 @@
           <a:graphicData uri="http://schemas.openxmlformats.org/presentationml/2006/ole">
             <mc:AlternateContent xmlns:mc="http://schemas.openxmlformats.org/markup-compatibility/2006">
               <mc:Choice xmlns:v="urn:schemas-microsoft-com:vml" Requires="v">
-                <p:oleObj spid="_x0000_s34891" name="Visio" r:id="rId4" imgW="4855769" imgH="4711598" progId="Visio.Drawing.11">
+                <p:oleObj spid="_x0000_s34899" name="Visio" r:id="rId4" imgW="4855769" imgH="4711598" progId="Visio.Drawing.11">
                   <p:embed/>
                 </p:oleObj>
               </mc:Choice>
